--- a/07-vector_string/00-vector_string.pptx
+++ b/07-vector_string/00-vector_string.pptx
@@ -284,7 +284,7 @@
           <a:p>
             <a:fld id="{3C22E3A1-C276-43FD-A0AD-E3E3A7519323}" type="datetimeFigureOut">
               <a:rPr lang="zh-TW" altLang="en-US" smtClean="0"/>
-              <a:t>2021/10/30</a:t>
+              <a:t>2021/11/2</a:t>
             </a:fld>
             <a:endParaRPr lang="zh-TW" altLang="en-US"/>
           </a:p>
@@ -482,7 +482,7 @@
           <a:p>
             <a:fld id="{3C22E3A1-C276-43FD-A0AD-E3E3A7519323}" type="datetimeFigureOut">
               <a:rPr lang="zh-TW" altLang="en-US" smtClean="0"/>
-              <a:t>2021/10/30</a:t>
+              <a:t>2021/11/2</a:t>
             </a:fld>
             <a:endParaRPr lang="zh-TW" altLang="en-US"/>
           </a:p>
@@ -690,7 +690,7 @@
           <a:p>
             <a:fld id="{3C22E3A1-C276-43FD-A0AD-E3E3A7519323}" type="datetimeFigureOut">
               <a:rPr lang="zh-TW" altLang="en-US" smtClean="0"/>
-              <a:t>2021/10/30</a:t>
+              <a:t>2021/11/2</a:t>
             </a:fld>
             <a:endParaRPr lang="zh-TW" altLang="en-US"/>
           </a:p>
@@ -888,7 +888,7 @@
           <a:p>
             <a:fld id="{3C22E3A1-C276-43FD-A0AD-E3E3A7519323}" type="datetimeFigureOut">
               <a:rPr lang="zh-TW" altLang="en-US" smtClean="0"/>
-              <a:t>2021/10/30</a:t>
+              <a:t>2021/11/2</a:t>
             </a:fld>
             <a:endParaRPr lang="zh-TW" altLang="en-US"/>
           </a:p>
@@ -1163,7 +1163,7 @@
           <a:p>
             <a:fld id="{3C22E3A1-C276-43FD-A0AD-E3E3A7519323}" type="datetimeFigureOut">
               <a:rPr lang="zh-TW" altLang="en-US" smtClean="0"/>
-              <a:t>2021/10/30</a:t>
+              <a:t>2021/11/2</a:t>
             </a:fld>
             <a:endParaRPr lang="zh-TW" altLang="en-US"/>
           </a:p>
@@ -1428,7 +1428,7 @@
           <a:p>
             <a:fld id="{3C22E3A1-C276-43FD-A0AD-E3E3A7519323}" type="datetimeFigureOut">
               <a:rPr lang="zh-TW" altLang="en-US" smtClean="0"/>
-              <a:t>2021/10/30</a:t>
+              <a:t>2021/11/2</a:t>
             </a:fld>
             <a:endParaRPr lang="zh-TW" altLang="en-US"/>
           </a:p>
@@ -1840,7 +1840,7 @@
           <a:p>
             <a:fld id="{3C22E3A1-C276-43FD-A0AD-E3E3A7519323}" type="datetimeFigureOut">
               <a:rPr lang="zh-TW" altLang="en-US" smtClean="0"/>
-              <a:t>2021/10/30</a:t>
+              <a:t>2021/11/2</a:t>
             </a:fld>
             <a:endParaRPr lang="zh-TW" altLang="en-US"/>
           </a:p>
@@ -1981,7 +1981,7 @@
           <a:p>
             <a:fld id="{3C22E3A1-C276-43FD-A0AD-E3E3A7519323}" type="datetimeFigureOut">
               <a:rPr lang="zh-TW" altLang="en-US" smtClean="0"/>
-              <a:t>2021/10/30</a:t>
+              <a:t>2021/11/2</a:t>
             </a:fld>
             <a:endParaRPr lang="zh-TW" altLang="en-US"/>
           </a:p>
@@ -2094,7 +2094,7 @@
           <a:p>
             <a:fld id="{3C22E3A1-C276-43FD-A0AD-E3E3A7519323}" type="datetimeFigureOut">
               <a:rPr lang="zh-TW" altLang="en-US" smtClean="0"/>
-              <a:t>2021/10/30</a:t>
+              <a:t>2021/11/2</a:t>
             </a:fld>
             <a:endParaRPr lang="zh-TW" altLang="en-US"/>
           </a:p>
@@ -2405,7 +2405,7 @@
           <a:p>
             <a:fld id="{3C22E3A1-C276-43FD-A0AD-E3E3A7519323}" type="datetimeFigureOut">
               <a:rPr lang="zh-TW" altLang="en-US" smtClean="0"/>
-              <a:t>2021/10/30</a:t>
+              <a:t>2021/11/2</a:t>
             </a:fld>
             <a:endParaRPr lang="zh-TW" altLang="en-US"/>
           </a:p>
@@ -2693,7 +2693,7 @@
           <a:p>
             <a:fld id="{3C22E3A1-C276-43FD-A0AD-E3E3A7519323}" type="datetimeFigureOut">
               <a:rPr lang="zh-TW" altLang="en-US" smtClean="0"/>
-              <a:t>2021/10/30</a:t>
+              <a:t>2021/11/2</a:t>
             </a:fld>
             <a:endParaRPr lang="zh-TW" altLang="en-US"/>
           </a:p>
@@ -2934,7 +2934,7 @@
           <a:p>
             <a:fld id="{3C22E3A1-C276-43FD-A0AD-E3E3A7519323}" type="datetimeFigureOut">
               <a:rPr lang="zh-TW" altLang="en-US" smtClean="0"/>
-              <a:t>2021/10/30</a:t>
+              <a:t>2021/11/2</a:t>
             </a:fld>
             <a:endParaRPr lang="zh-TW" altLang="en-US"/>
           </a:p>
@@ -15880,8 +15880,19 @@
           <a:p>
             <a:r>
               <a:rPr lang="en-US" altLang="zh-TW" dirty="0"/>
-              <a:t>Defined in header &lt;vector&gt;</a:t>
-            </a:r>
+              <a:t>Defined in header </a:t>
+            </a:r>
+            <a:r>
+              <a:rPr lang="en-US" altLang="zh-TW" b="0" dirty="0">
+                <a:solidFill>
+                  <a:srgbClr val="A31515"/>
+                </a:solidFill>
+                <a:effectLst/>
+                <a:latin typeface="Consolas" panose="020B0609020204030204" pitchFamily="49" charset="0"/>
+              </a:rPr>
+              <a:t>&lt;vector&gt;</a:t>
+            </a:r>
+            <a:endParaRPr lang="en-US" altLang="zh-TW" dirty="0"/>
           </a:p>
           <a:p>
             <a:r>
@@ -20193,8 +20204,8 @@
           </a:p>
         </p:txBody>
       </p:sp>
-      <mc:AlternateContent xmlns:mc="http://schemas.openxmlformats.org/markup-compatibility/2006">
-        <mc:Choice xmlns:a14="http://schemas.microsoft.com/office/drawing/2010/main" Requires="a14">
+      <mc:AlternateContent xmlns:mc="http://schemas.openxmlformats.org/markup-compatibility/2006" xmlns:a14="http://schemas.microsoft.com/office/drawing/2010/main">
+        <mc:Choice Requires="a14">
           <p:sp>
             <p:nvSpPr>
               <p:cNvPr id="3" name="內容版面配置區 2">
@@ -20252,7 +20263,7 @@
                     <m:d>
                       <m:dPr>
                         <m:ctrlPr>
-                          <a:rPr lang="en-US" altLang="zh-TW" b="0" i="0" smtClean="0">
+                          <a:rPr lang="en-US" altLang="zh-TW" b="0" i="1" smtClean="0">
                             <a:latin typeface="Cambria Math" panose="02040503050406030204" pitchFamily="18" charset="0"/>
                           </a:rPr>
                         </m:ctrlPr>
@@ -20369,7 +20380,7 @@
             </p:txBody>
           </p:sp>
         </mc:Choice>
-        <mc:Fallback>
+        <mc:Fallback xmlns="">
           <p:sp>
             <p:nvSpPr>
               <p:cNvPr id="3" name="內容版面配置區 2">
@@ -24716,7 +24727,7 @@
             </a:r>
             <a:r>
               <a:rPr lang="en-US" altLang="zh-TW" dirty="0"/>
-              <a:t> character. </a:t>
+              <a:t> character. (legacy)</a:t>
             </a:r>
             <a:endParaRPr lang="zh-TW" altLang="en-US" dirty="0"/>
           </a:p>
@@ -24772,7 +24783,7 @@
           <p:nvPr>
             <p:extLst>
               <p:ext uri="{D42A27DB-BD31-4B8C-83A1-F6EECF244321}">
-                <p14:modId xmlns:p14="http://schemas.microsoft.com/office/powerpoint/2010/main" val="3740887865"/>
+                <p14:modId xmlns:p14="http://schemas.microsoft.com/office/powerpoint/2010/main" val="3832523322"/>
               </p:ext>
             </p:extLst>
           </p:nvPr>
@@ -24861,7 +24872,7 @@
                       <a:pPr algn="ctr"/>
                       <a:r>
                         <a:rPr lang="en-US" altLang="zh-TW" sz="2500" dirty="0"/>
-                        <a:t>3</a:t>
+                        <a:t>a</a:t>
                       </a:r>
                       <a:endParaRPr lang="zh-TW" altLang="en-US" sz="2500" dirty="0"/>
                     </a:p>
@@ -24876,7 +24887,7 @@
                       <a:pPr algn="ctr"/>
                       <a:r>
                         <a:rPr lang="en-US" altLang="zh-TW" sz="2500" dirty="0"/>
-                        <a:t>5</a:t>
+                        <a:t>b</a:t>
                       </a:r>
                       <a:endParaRPr lang="zh-TW" altLang="en-US" sz="2500" dirty="0"/>
                     </a:p>
@@ -24891,7 +24902,7 @@
                       <a:pPr algn="ctr"/>
                       <a:r>
                         <a:rPr lang="en-US" altLang="zh-TW" sz="2500" dirty="0"/>
-                        <a:t>7</a:t>
+                        <a:t>c</a:t>
                       </a:r>
                       <a:endParaRPr lang="zh-TW" altLang="en-US" sz="2500" dirty="0"/>
                     </a:p>
@@ -24906,7 +24917,7 @@
                       <a:pPr algn="ctr"/>
                       <a:r>
                         <a:rPr lang="en-US" altLang="zh-TW" sz="2500" dirty="0"/>
-                        <a:t>11</a:t>
+                        <a:t>d</a:t>
                       </a:r>
                       <a:endParaRPr lang="zh-TW" altLang="en-US" sz="2500" dirty="0"/>
                     </a:p>
@@ -24920,8 +24931,8 @@
                     <a:p>
                       <a:pPr algn="ctr"/>
                       <a:r>
-                        <a:rPr lang="en-US" altLang="zh-TW" sz="2500" dirty="0"/>
-                        <a:t>30</a:t>
+                        <a:rPr lang="en-US" altLang="zh-TW" sz="2500"/>
+                        <a:t>e</a:t>
                       </a:r>
                       <a:endParaRPr lang="zh-TW" altLang="en-US" sz="2500" dirty="0"/>
                     </a:p>
@@ -24935,12 +24946,12 @@
                     <a:p>
                       <a:pPr algn="ctr"/>
                       <a:r>
-                        <a:rPr lang="en-US" altLang="zh-TW" sz="2500" dirty="0">
+                        <a:rPr lang="en-US" altLang="zh-TW" sz="2500">
                           <a:solidFill>
                             <a:srgbClr val="FF0000"/>
                           </a:solidFill>
                         </a:rPr>
-                        <a:t>\0</a:t>
+                        <a:t>\0(?)</a:t>
                       </a:r>
                       <a:endParaRPr lang="zh-TW" altLang="en-US" sz="2500" dirty="0">
                         <a:solidFill>

--- a/07-vector_string/00-vector_string.pptx
+++ b/07-vector_string/00-vector_string.pptx
@@ -284,7 +284,7 @@
           <a:p>
             <a:fld id="{3C22E3A1-C276-43FD-A0AD-E3E3A7519323}" type="datetimeFigureOut">
               <a:rPr lang="zh-TW" altLang="en-US" smtClean="0"/>
-              <a:t>2021/11/2</a:t>
+              <a:t>2021/11/3</a:t>
             </a:fld>
             <a:endParaRPr lang="zh-TW" altLang="en-US"/>
           </a:p>
@@ -482,7 +482,7 @@
           <a:p>
             <a:fld id="{3C22E3A1-C276-43FD-A0AD-E3E3A7519323}" type="datetimeFigureOut">
               <a:rPr lang="zh-TW" altLang="en-US" smtClean="0"/>
-              <a:t>2021/11/2</a:t>
+              <a:t>2021/11/3</a:t>
             </a:fld>
             <a:endParaRPr lang="zh-TW" altLang="en-US"/>
           </a:p>
@@ -690,7 +690,7 @@
           <a:p>
             <a:fld id="{3C22E3A1-C276-43FD-A0AD-E3E3A7519323}" type="datetimeFigureOut">
               <a:rPr lang="zh-TW" altLang="en-US" smtClean="0"/>
-              <a:t>2021/11/2</a:t>
+              <a:t>2021/11/3</a:t>
             </a:fld>
             <a:endParaRPr lang="zh-TW" altLang="en-US"/>
           </a:p>
@@ -888,7 +888,7 @@
           <a:p>
             <a:fld id="{3C22E3A1-C276-43FD-A0AD-E3E3A7519323}" type="datetimeFigureOut">
               <a:rPr lang="zh-TW" altLang="en-US" smtClean="0"/>
-              <a:t>2021/11/2</a:t>
+              <a:t>2021/11/3</a:t>
             </a:fld>
             <a:endParaRPr lang="zh-TW" altLang="en-US"/>
           </a:p>
@@ -1163,7 +1163,7 @@
           <a:p>
             <a:fld id="{3C22E3A1-C276-43FD-A0AD-E3E3A7519323}" type="datetimeFigureOut">
               <a:rPr lang="zh-TW" altLang="en-US" smtClean="0"/>
-              <a:t>2021/11/2</a:t>
+              <a:t>2021/11/3</a:t>
             </a:fld>
             <a:endParaRPr lang="zh-TW" altLang="en-US"/>
           </a:p>
@@ -1428,7 +1428,7 @@
           <a:p>
             <a:fld id="{3C22E3A1-C276-43FD-A0AD-E3E3A7519323}" type="datetimeFigureOut">
               <a:rPr lang="zh-TW" altLang="en-US" smtClean="0"/>
-              <a:t>2021/11/2</a:t>
+              <a:t>2021/11/3</a:t>
             </a:fld>
             <a:endParaRPr lang="zh-TW" altLang="en-US"/>
           </a:p>
@@ -1840,7 +1840,7 @@
           <a:p>
             <a:fld id="{3C22E3A1-C276-43FD-A0AD-E3E3A7519323}" type="datetimeFigureOut">
               <a:rPr lang="zh-TW" altLang="en-US" smtClean="0"/>
-              <a:t>2021/11/2</a:t>
+              <a:t>2021/11/3</a:t>
             </a:fld>
             <a:endParaRPr lang="zh-TW" altLang="en-US"/>
           </a:p>
@@ -1981,7 +1981,7 @@
           <a:p>
             <a:fld id="{3C22E3A1-C276-43FD-A0AD-E3E3A7519323}" type="datetimeFigureOut">
               <a:rPr lang="zh-TW" altLang="en-US" smtClean="0"/>
-              <a:t>2021/11/2</a:t>
+              <a:t>2021/11/3</a:t>
             </a:fld>
             <a:endParaRPr lang="zh-TW" altLang="en-US"/>
           </a:p>
@@ -2094,7 +2094,7 @@
           <a:p>
             <a:fld id="{3C22E3A1-C276-43FD-A0AD-E3E3A7519323}" type="datetimeFigureOut">
               <a:rPr lang="zh-TW" altLang="en-US" smtClean="0"/>
-              <a:t>2021/11/2</a:t>
+              <a:t>2021/11/3</a:t>
             </a:fld>
             <a:endParaRPr lang="zh-TW" altLang="en-US"/>
           </a:p>
@@ -2405,7 +2405,7 @@
           <a:p>
             <a:fld id="{3C22E3A1-C276-43FD-A0AD-E3E3A7519323}" type="datetimeFigureOut">
               <a:rPr lang="zh-TW" altLang="en-US" smtClean="0"/>
-              <a:t>2021/11/2</a:t>
+              <a:t>2021/11/3</a:t>
             </a:fld>
             <a:endParaRPr lang="zh-TW" altLang="en-US"/>
           </a:p>
@@ -2693,7 +2693,7 @@
           <a:p>
             <a:fld id="{3C22E3A1-C276-43FD-A0AD-E3E3A7519323}" type="datetimeFigureOut">
               <a:rPr lang="zh-TW" altLang="en-US" smtClean="0"/>
-              <a:t>2021/11/2</a:t>
+              <a:t>2021/11/3</a:t>
             </a:fld>
             <a:endParaRPr lang="zh-TW" altLang="en-US"/>
           </a:p>
@@ -2934,7 +2934,7 @@
           <a:p>
             <a:fld id="{3C22E3A1-C276-43FD-A0AD-E3E3A7519323}" type="datetimeFigureOut">
               <a:rPr lang="zh-TW" altLang="en-US" smtClean="0"/>
-              <a:t>2021/11/2</a:t>
+              <a:t>2021/11/3</a:t>
             </a:fld>
             <a:endParaRPr lang="zh-TW" altLang="en-US"/>
           </a:p>
@@ -10611,7 +10611,7 @@
           <p:nvPr>
             <p:extLst>
               <p:ext uri="{D42A27DB-BD31-4B8C-83A1-F6EECF244321}">
-                <p14:modId xmlns:p14="http://schemas.microsoft.com/office/powerpoint/2010/main" val="2722620481"/>
+                <p14:modId xmlns:p14="http://schemas.microsoft.com/office/powerpoint/2010/main" val="968934047"/>
               </p:ext>
             </p:extLst>
           </p:nvPr>
@@ -10728,7 +10728,7 @@
                       </a:pPr>
                       <a:r>
                         <a:rPr lang="en-US" altLang="zh-TW" b="1" dirty="0"/>
-                        <a:t>c[][0]</a:t>
+                        <a:t>c[][1]</a:t>
                       </a:r>
                       <a:endParaRPr lang="zh-TW" altLang="en-US" b="1" dirty="0"/>
                     </a:p>
@@ -10759,7 +10759,7 @@
                       </a:pPr>
                       <a:r>
                         <a:rPr lang="en-US" altLang="zh-TW" b="1" dirty="0"/>
-                        <a:t>c[][0]</a:t>
+                        <a:t>c[][2]</a:t>
                       </a:r>
                       <a:endParaRPr lang="zh-TW" altLang="en-US" b="1" dirty="0"/>
                     </a:p>
@@ -10789,8 +10789,8 @@
                         <a:defRPr/>
                       </a:pPr>
                       <a:r>
-                        <a:rPr lang="en-US" altLang="zh-TW" b="1" dirty="0"/>
-                        <a:t>c[][0]</a:t>
+                        <a:rPr lang="en-US" altLang="zh-TW" b="1"/>
+                        <a:t>c[][3]</a:t>
                       </a:r>
                       <a:endParaRPr lang="zh-TW" altLang="en-US" b="1" dirty="0"/>
                     </a:p>
@@ -12830,7 +12830,7 @@
           <p:nvPr>
             <p:extLst>
               <p:ext uri="{D42A27DB-BD31-4B8C-83A1-F6EECF244321}">
-                <p14:modId xmlns:p14="http://schemas.microsoft.com/office/powerpoint/2010/main" val="1367687945"/>
+                <p14:modId xmlns:p14="http://schemas.microsoft.com/office/powerpoint/2010/main" val="2695420878"/>
               </p:ext>
             </p:extLst>
           </p:nvPr>
@@ -12947,7 +12947,7 @@
                       </a:pPr>
                       <a:r>
                         <a:rPr lang="en-US" altLang="zh-TW" b="1" dirty="0"/>
-                        <a:t>b[][0]</a:t>
+                        <a:t>b[][1]</a:t>
                       </a:r>
                       <a:endParaRPr lang="zh-TW" altLang="en-US" b="1" dirty="0"/>
                     </a:p>
@@ -12978,7 +12978,7 @@
                       </a:pPr>
                       <a:r>
                         <a:rPr lang="en-US" altLang="zh-TW" b="1" dirty="0"/>
-                        <a:t>b[][0]</a:t>
+                        <a:t>b[][2]</a:t>
                       </a:r>
                       <a:endParaRPr lang="zh-TW" altLang="en-US" b="1" dirty="0"/>
                     </a:p>
@@ -13009,7 +13009,7 @@
                       </a:pPr>
                       <a:r>
                         <a:rPr lang="en-US" altLang="zh-TW" b="1" dirty="0"/>
-                        <a:t>b[][0]</a:t>
+                        <a:t>b[][3]</a:t>
                       </a:r>
                       <a:endParaRPr lang="zh-TW" altLang="en-US" b="1" dirty="0"/>
                     </a:p>
